--- a/Week_7/Data_604_Final_Project.pptx
+++ b/Week_7/Data_604_Final_Project.pptx
@@ -7,7 +7,15 @@
   <p:sldIdLst>
     <p:sldId id="256" r:id="rId2"/>
     <p:sldId id="258" r:id="rId3"/>
-    <p:sldId id="257" r:id="rId4"/>
+    <p:sldId id="264" r:id="rId4"/>
+    <p:sldId id="257" r:id="rId5"/>
+    <p:sldId id="266" r:id="rId6"/>
+    <p:sldId id="259" r:id="rId7"/>
+    <p:sldId id="260" r:id="rId8"/>
+    <p:sldId id="261" r:id="rId9"/>
+    <p:sldId id="262" r:id="rId10"/>
+    <p:sldId id="265" r:id="rId11"/>
+    <p:sldId id="267" r:id="rId12"/>
   </p:sldIdLst>
   <p:sldSz cx="12192000" cy="6858000"/>
   <p:notesSz cx="6858000" cy="9144000"/>
@@ -626,7 +634,7 @@
           <a:p>
             <a:fld id="{83284890-85D2-4D7B-8EF5-15A9C1DB8F42}" type="datetimeFigureOut">
               <a:rPr lang="en-US" smtClean="0"/>
-              <a:t>7/12/22</a:t>
+              <a:t>7/16/22</a:t>
             </a:fld>
             <a:endParaRPr lang="en-US"/>
           </a:p>
@@ -804,7 +812,7 @@
           <a:p>
             <a:fld id="{87157CC2-0FC8-4686-B024-99790E0F5162}" type="datetimeFigureOut">
               <a:rPr lang="en-US" smtClean="0"/>
-              <a:t>7/12/22</a:t>
+              <a:t>7/16/22</a:t>
             </a:fld>
             <a:endParaRPr lang="en-US"/>
           </a:p>
@@ -984,7 +992,7 @@
           <a:p>
             <a:fld id="{F6764DA5-CD3D-4590-A511-FCD3BC7A793E}" type="datetimeFigureOut">
               <a:rPr lang="en-US" smtClean="0"/>
-              <a:t>7/12/22</a:t>
+              <a:t>7/16/22</a:t>
             </a:fld>
             <a:endParaRPr lang="en-US"/>
           </a:p>
@@ -1154,7 +1162,7 @@
           <a:p>
             <a:fld id="{82F5661D-6934-4B32-B92C-470368BF1EC6}" type="datetimeFigureOut">
               <a:rPr lang="en-US" smtClean="0"/>
-              <a:t>7/12/22</a:t>
+              <a:t>7/16/22</a:t>
             </a:fld>
             <a:endParaRPr lang="en-US"/>
           </a:p>
@@ -1475,7 +1483,7 @@
           <a:p>
             <a:fld id="{C6F822A4-8DA6-4447-9B1F-C5DB58435268}" type="datetimeFigureOut">
               <a:rPr lang="en-US" smtClean="0"/>
-              <a:t>7/12/22</a:t>
+              <a:t>7/16/22</a:t>
             </a:fld>
             <a:endParaRPr lang="en-US" dirty="0"/>
           </a:p>
@@ -1936,7 +1944,7 @@
           <a:p>
             <a:fld id="{E548D31E-DCDA-41A7-9C67-C4B11B94D21D}" type="datetimeFigureOut">
               <a:rPr lang="en-US" smtClean="0"/>
-              <a:t>7/12/22</a:t>
+              <a:t>7/16/22</a:t>
             </a:fld>
             <a:endParaRPr lang="en-US"/>
           </a:p>
@@ -2347,7 +2355,7 @@
           <a:p>
             <a:fld id="{9B3762C0-B258-48F1-ADE6-176B4174CCDD}" type="datetimeFigureOut">
               <a:rPr lang="en-US" smtClean="0"/>
-              <a:t>7/12/22</a:t>
+              <a:t>7/16/22</a:t>
             </a:fld>
             <a:endParaRPr lang="en-US"/>
           </a:p>
@@ -2465,7 +2473,7 @@
           <a:p>
             <a:fld id="{677919A6-33EB-49BD-A62F-1FA56B9F9712}" type="datetimeFigureOut">
               <a:rPr lang="en-US" smtClean="0"/>
-              <a:t>7/12/22</a:t>
+              <a:t>7/16/22</a:t>
             </a:fld>
             <a:endParaRPr lang="en-US"/>
           </a:p>
@@ -2582,7 +2590,7 @@
           <a:p>
             <a:fld id="{CA4E7D1B-D673-4CF6-8672-009D42ABD2A0}" type="datetimeFigureOut">
               <a:rPr lang="en-US" smtClean="0"/>
-              <a:t>7/12/22</a:t>
+              <a:t>7/16/22</a:t>
             </a:fld>
             <a:endParaRPr lang="en-US"/>
           </a:p>
@@ -2940,7 +2948,7 @@
           <a:p>
             <a:fld id="{DA16AA21-1863-4931-97CB-99D0A168701B}" type="datetimeFigureOut">
               <a:rPr lang="en-US" smtClean="0"/>
-              <a:t>7/12/22</a:t>
+              <a:t>7/16/22</a:t>
             </a:fld>
             <a:endParaRPr lang="en-US"/>
           </a:p>
@@ -3447,7 +3455,7 @@
           <a:p>
             <a:fld id="{3772C379-9A7C-4C87-A116-CBE9F58B04C5}" type="datetimeFigureOut">
               <a:rPr lang="en-US" smtClean="0"/>
-              <a:t>7/12/22</a:t>
+              <a:t>7/16/22</a:t>
             </a:fld>
             <a:endParaRPr lang="en-US"/>
           </a:p>
@@ -3802,7 +3810,7 @@
           <a:p>
             <a:fld id="{8664C608-40B1-4030-A28D-5B74BC98ADCE}" type="datetimeFigureOut">
               <a:rPr lang="en-US" smtClean="0"/>
-              <a:t>7/12/22</a:t>
+              <a:t>7/16/22</a:t>
             </a:fld>
             <a:endParaRPr lang="en-US" dirty="0"/>
           </a:p>
@@ -4529,6 +4537,310 @@
 </p:sld>
 </file>
 
+<file path=ppt/slides/slide10.xml><?xml version="1.0" encoding="utf-8"?>
+<p:sld xmlns:a="http://schemas.openxmlformats.org/drawingml/2006/main" xmlns:r="http://schemas.openxmlformats.org/officeDocument/2006/relationships" xmlns:p="http://schemas.openxmlformats.org/presentationml/2006/main">
+  <p:cSld>
+    <p:bg>
+      <p:bgPr>
+        <a:solidFill>
+          <a:schemeClr val="bg1"/>
+        </a:solidFill>
+        <a:effectLst/>
+      </p:bgPr>
+    </p:bg>
+    <p:spTree>
+      <p:nvGrpSpPr>
+        <p:cNvPr id="1" name=""/>
+        <p:cNvGrpSpPr/>
+        <p:nvPr/>
+      </p:nvGrpSpPr>
+      <p:grpSpPr>
+        <a:xfrm>
+          <a:off x="0" y="0"/>
+          <a:ext cx="0" cy="0"/>
+          <a:chOff x="0" y="0"/>
+          <a:chExt cx="0" cy="0"/>
+        </a:xfrm>
+      </p:grpSpPr>
+      <p:sp>
+        <p:nvSpPr>
+          <p:cNvPr id="2" name="Title 1">
+            <a:extLst>
+              <a:ext uri="{FF2B5EF4-FFF2-40B4-BE49-F238E27FC236}">
+                <a16:creationId xmlns:a16="http://schemas.microsoft.com/office/drawing/2014/main" id="{D2B34B44-2027-3C9A-57E6-8DE76E911C0A}"/>
+              </a:ext>
+            </a:extLst>
+          </p:cNvPr>
+          <p:cNvSpPr>
+            <a:spLocks noGrp="1"/>
+          </p:cNvSpPr>
+          <p:nvPr>
+            <p:ph type="title"/>
+          </p:nvPr>
+        </p:nvSpPr>
+        <p:spPr>
+          <a:xfrm>
+            <a:off x="1069848" y="484632"/>
+            <a:ext cx="10058400" cy="1609344"/>
+          </a:xfrm>
+        </p:spPr>
+        <p:txBody>
+          <a:bodyPr>
+            <a:normAutofit/>
+          </a:bodyPr>
+          <a:lstStyle/>
+          <a:p>
+            <a:r>
+              <a:rPr lang="en-US"/>
+              <a:t>Conclusion</a:t>
+            </a:r>
+            <a:endParaRPr lang="en-US" dirty="0"/>
+          </a:p>
+        </p:txBody>
+      </p:sp>
+      <p:sp>
+        <p:nvSpPr>
+          <p:cNvPr id="3" name="Content Placeholder 2">
+            <a:extLst>
+              <a:ext uri="{FF2B5EF4-FFF2-40B4-BE49-F238E27FC236}">
+                <a16:creationId xmlns:a16="http://schemas.microsoft.com/office/drawing/2014/main" id="{785FC1C4-C2D5-15C1-0493-455000DE14D4}"/>
+              </a:ext>
+            </a:extLst>
+          </p:cNvPr>
+          <p:cNvSpPr>
+            <a:spLocks noGrp="1"/>
+          </p:cNvSpPr>
+          <p:nvPr>
+            <p:ph idx="1"/>
+          </p:nvPr>
+        </p:nvSpPr>
+        <p:spPr>
+          <a:xfrm>
+            <a:off x="323850" y="2014274"/>
+            <a:ext cx="5334000" cy="4764024"/>
+          </a:xfrm>
+        </p:spPr>
+        <p:txBody>
+          <a:bodyPr>
+            <a:normAutofit/>
+          </a:bodyPr>
+          <a:lstStyle/>
+          <a:p>
+            <a:r>
+              <a:rPr lang="en-US" sz="1600" dirty="0"/>
+              <a:t>The average wait time to get a service is less than 1 minute. </a:t>
+            </a:r>
+          </a:p>
+          <a:p>
+            <a:r>
+              <a:rPr lang="en-US" sz="1600" dirty="0"/>
+              <a:t>Majority of the customers that come into the shop wait no more than 6 minutes to get serviced.</a:t>
+            </a:r>
+          </a:p>
+          <a:p>
+            <a:r>
+              <a:rPr lang="en-US" sz="1600" dirty="0"/>
+              <a:t>Initially my model showed some missing values for wait times for random inquiries. </a:t>
+            </a:r>
+          </a:p>
+          <a:p>
+            <a:pPr lvl="1"/>
+            <a:r>
+              <a:rPr lang="en-US" sz="1600" dirty="0"/>
+              <a:t>I kept getting other errors that could have been due to not placing the random inquiries properly in the for loop, but I couldn't be certain.</a:t>
+            </a:r>
+          </a:p>
+          <a:p>
+            <a:r>
+              <a:rPr lang="en-US" sz="1600" dirty="0"/>
+              <a:t>Overall, the model does show a good representation of what a wait time in a bike shop would be like. </a:t>
+            </a:r>
+          </a:p>
+          <a:p>
+            <a:pPr lvl="1"/>
+            <a:r>
+              <a:rPr lang="en-US" sz="1600" dirty="0"/>
+              <a:t>Plenty of factors can increase these wait times such as a global pandemic by 3 - 4 times the average. </a:t>
+            </a:r>
+          </a:p>
+          <a:p>
+            <a:r>
+              <a:rPr lang="en-US" sz="1600" dirty="0"/>
+              <a:t>I would consider going back to this model and improve it over time</a:t>
+            </a:r>
+          </a:p>
+          <a:p>
+            <a:endParaRPr lang="en-US" sz="1600" dirty="0"/>
+          </a:p>
+        </p:txBody>
+      </p:sp>
+      <p:pic>
+        <p:nvPicPr>
+          <p:cNvPr id="7" name="Picture 6" descr="Graphical user interface, text&#10;&#10;Description automatically generated">
+            <a:extLst>
+              <a:ext uri="{FF2B5EF4-FFF2-40B4-BE49-F238E27FC236}">
+                <a16:creationId xmlns:a16="http://schemas.microsoft.com/office/drawing/2014/main" id="{7496DF81-9339-CF74-FEF2-99488C7FE73E}"/>
+              </a:ext>
+            </a:extLst>
+          </p:cNvPr>
+          <p:cNvPicPr>
+            <a:picLocks noChangeAspect="1"/>
+          </p:cNvPicPr>
+          <p:nvPr/>
+        </p:nvPicPr>
+        <p:blipFill>
+          <a:blip r:embed="rId2">
+            <a:extLst>
+              <a:ext uri="{28A0092B-C50C-407E-A947-70E740481C1C}">
+                <a14:useLocalDpi xmlns:a14="http://schemas.microsoft.com/office/drawing/2010/main" val="0"/>
+              </a:ext>
+            </a:extLst>
+          </a:blip>
+          <a:stretch>
+            <a:fillRect/>
+          </a:stretch>
+        </p:blipFill>
+        <p:spPr>
+          <a:xfrm>
+            <a:off x="5657850" y="2785872"/>
+            <a:ext cx="5924550" cy="1610414"/>
+          </a:xfrm>
+          <a:prstGeom prst="rect">
+            <a:avLst/>
+          </a:prstGeom>
+        </p:spPr>
+      </p:pic>
+    </p:spTree>
+    <p:extLst>
+      <p:ext uri="{BB962C8B-B14F-4D97-AF65-F5344CB8AC3E}">
+        <p14:creationId xmlns:p14="http://schemas.microsoft.com/office/powerpoint/2010/main" val="2271215633"/>
+      </p:ext>
+    </p:extLst>
+  </p:cSld>
+  <p:clrMapOvr>
+    <a:masterClrMapping/>
+  </p:clrMapOvr>
+</p:sld>
+</file>
+
+<file path=ppt/slides/slide11.xml><?xml version="1.0" encoding="utf-8"?>
+<p:sld xmlns:a="http://schemas.openxmlformats.org/drawingml/2006/main" xmlns:r="http://schemas.openxmlformats.org/officeDocument/2006/relationships" xmlns:p="http://schemas.openxmlformats.org/presentationml/2006/main">
+  <p:cSld>
+    <p:spTree>
+      <p:nvGrpSpPr>
+        <p:cNvPr id="1" name=""/>
+        <p:cNvGrpSpPr/>
+        <p:nvPr/>
+      </p:nvGrpSpPr>
+      <p:grpSpPr>
+        <a:xfrm>
+          <a:off x="0" y="0"/>
+          <a:ext cx="0" cy="0"/>
+          <a:chOff x="0" y="0"/>
+          <a:chExt cx="0" cy="0"/>
+        </a:xfrm>
+      </p:grpSpPr>
+      <p:sp>
+        <p:nvSpPr>
+          <p:cNvPr id="2" name="Title 1">
+            <a:extLst>
+              <a:ext uri="{FF2B5EF4-FFF2-40B4-BE49-F238E27FC236}">
+                <a16:creationId xmlns:a16="http://schemas.microsoft.com/office/drawing/2014/main" id="{D2B34B44-2027-3C9A-57E6-8DE76E911C0A}"/>
+              </a:ext>
+            </a:extLst>
+          </p:cNvPr>
+          <p:cNvSpPr>
+            <a:spLocks noGrp="1"/>
+          </p:cNvSpPr>
+          <p:nvPr>
+            <p:ph type="title"/>
+          </p:nvPr>
+        </p:nvSpPr>
+        <p:spPr/>
+        <p:txBody>
+          <a:bodyPr/>
+          <a:lstStyle/>
+          <a:p>
+            <a:r>
+              <a:rPr lang="en-US" dirty="0"/>
+              <a:t>References and links</a:t>
+            </a:r>
+          </a:p>
+        </p:txBody>
+      </p:sp>
+      <p:sp>
+        <p:nvSpPr>
+          <p:cNvPr id="3" name="Content Placeholder 2">
+            <a:extLst>
+              <a:ext uri="{FF2B5EF4-FFF2-40B4-BE49-F238E27FC236}">
+                <a16:creationId xmlns:a16="http://schemas.microsoft.com/office/drawing/2014/main" id="{785FC1C4-C2D5-15C1-0493-455000DE14D4}"/>
+              </a:ext>
+            </a:extLst>
+          </p:cNvPr>
+          <p:cNvSpPr>
+            <a:spLocks noGrp="1"/>
+          </p:cNvSpPr>
+          <p:nvPr>
+            <p:ph idx="1"/>
+          </p:nvPr>
+        </p:nvSpPr>
+        <p:spPr/>
+        <p:txBody>
+          <a:bodyPr/>
+          <a:lstStyle/>
+          <a:p>
+            <a:r>
+              <a:rPr lang="en-US" dirty="0"/>
+              <a:t>GitHub: </a:t>
+            </a:r>
+            <a:r>
+              <a:rPr lang="en-US" dirty="0">
+                <a:hlinkClick r:id="rId2"/>
+              </a:rPr>
+              <a:t>here</a:t>
+            </a:r>
+            <a:r>
+              <a:rPr lang="en-US" dirty="0"/>
+              <a:t> you can explore my attempts to run this simulation.</a:t>
+            </a:r>
+          </a:p>
+          <a:p>
+            <a:endParaRPr lang="en-US" dirty="0"/>
+          </a:p>
+          <a:p>
+            <a:r>
+              <a:rPr lang="en-US" dirty="0"/>
+              <a:t>Code Credit: after doing some code research, I came across another person’s code in </a:t>
+            </a:r>
+            <a:r>
+              <a:rPr lang="en-US" dirty="0">
+                <a:hlinkClick r:id="rId3"/>
+              </a:rPr>
+              <a:t>rpubs</a:t>
+            </a:r>
+            <a:r>
+              <a:rPr lang="en-US" dirty="0"/>
+              <a:t>. With some modifications I was able to run this simulation properly when my code kept failing.</a:t>
+            </a:r>
+          </a:p>
+          <a:p>
+            <a:endParaRPr lang="en-US" dirty="0"/>
+          </a:p>
+        </p:txBody>
+      </p:sp>
+    </p:spTree>
+    <p:extLst>
+      <p:ext uri="{BB962C8B-B14F-4D97-AF65-F5344CB8AC3E}">
+        <p14:creationId xmlns:p14="http://schemas.microsoft.com/office/powerpoint/2010/main" val="2436279740"/>
+      </p:ext>
+    </p:extLst>
+  </p:cSld>
+  <p:clrMapOvr>
+    <a:masterClrMapping/>
+  </p:clrMapOvr>
+</p:sld>
+</file>
+
 <file path=ppt/slides/slide2.xml><?xml version="1.0" encoding="utf-8"?>
 <p:sld xmlns:a="http://schemas.openxmlformats.org/drawingml/2006/main" xmlns:r="http://schemas.openxmlformats.org/officeDocument/2006/relationships" xmlns:p="http://schemas.openxmlformats.org/presentationml/2006/main">
   <p:cSld>
@@ -4595,7 +4907,53 @@
           <a:bodyPr/>
           <a:lstStyle/>
           <a:p>
-            <a:endParaRPr lang="en-US"/>
+            <a:r>
+              <a:rPr lang="en-US" dirty="0"/>
+              <a:t>The bicycle industry has boomed within the last 2 years of a global pandemic affecting wait times to get a service.</a:t>
+            </a:r>
+          </a:p>
+          <a:p>
+            <a:r>
+              <a:rPr lang="en-US" dirty="0"/>
+              <a:t>This project simulated a 'typical' day at a bicycle shop, the services they provide and wait times pre-pandemic. </a:t>
+            </a:r>
+          </a:p>
+          <a:p>
+            <a:r>
+              <a:rPr lang="en-US" dirty="0"/>
+              <a:t>Things to consider:</a:t>
+            </a:r>
+          </a:p>
+          <a:p>
+            <a:pPr lvl="2"/>
+            <a:r>
+              <a:rPr lang="en-US" dirty="0"/>
+              <a:t>Normal hours of operation for a bike shop can range from 6 – 8 hours but I am setting a max of 95 minutes for this model to limit results count</a:t>
+            </a:r>
+          </a:p>
+          <a:p>
+            <a:pPr lvl="3"/>
+            <a:r>
+              <a:rPr lang="en-US" dirty="0"/>
+              <a:t>Sales and Special orders have been combined for a max time of 75 minutes</a:t>
+            </a:r>
+          </a:p>
+          <a:p>
+            <a:pPr lvl="3"/>
+            <a:r>
+              <a:rPr lang="en-US" dirty="0"/>
+              <a:t>Repairs (short and long) have also been combined for a max time of 95 minutes</a:t>
+            </a:r>
+          </a:p>
+          <a:p>
+            <a:pPr lvl="2"/>
+            <a:r>
+              <a:rPr lang="en-US" dirty="0"/>
+              <a:t>Model shows 14 operational days with 20 repairs, 16 sales and 10 random inquiries; in a real scenario these services can have a larger queue with this time frame</a:t>
+            </a:r>
+          </a:p>
+          <a:p>
+            <a:endParaRPr lang="en-US" dirty="0"/>
           </a:p>
         </p:txBody>
       </p:sp>
@@ -4652,17 +5010,17 @@
           <a:p>
             <a:r>
               <a:rPr lang="en-US" dirty="0"/>
-              <a:t>Flowchart</a:t>
+              <a:t>Flowchart for model </a:t>
             </a:r>
           </a:p>
         </p:txBody>
       </p:sp>
       <p:pic>
         <p:nvPicPr>
-          <p:cNvPr id="5" name="Content Placeholder 4" descr="Chart&#10;&#10;Description automatically generated with low confidence">
+          <p:cNvPr id="9" name="Content Placeholder 8" descr="Diagram&#10;&#10;Description automatically generated">
             <a:extLst>
               <a:ext uri="{FF2B5EF4-FFF2-40B4-BE49-F238E27FC236}">
-                <a16:creationId xmlns:a16="http://schemas.microsoft.com/office/drawing/2014/main" id="{11D3BDEB-74AA-8A83-4F31-004E46318687}"/>
+                <a16:creationId xmlns:a16="http://schemas.microsoft.com/office/drawing/2014/main" id="{61BED7A5-E80F-A1AC-145A-14A23995C50F}"/>
               </a:ext>
             </a:extLst>
           </p:cNvPr>
@@ -4670,7 +5028,7 @@
             <a:picLocks noGrp="1" noChangeAspect="1"/>
           </p:cNvPicPr>
           <p:nvPr>
-            <p:ph idx="1"/>
+            <p:ph sz="half" idx="1"/>
           </p:nvPr>
         </p:nvPicPr>
         <p:blipFill>
@@ -4687,8 +5045,196 @@
         </p:blipFill>
         <p:spPr>
           <a:xfrm>
-            <a:off x="1" y="1714500"/>
-            <a:ext cx="12191999" cy="5116576"/>
+            <a:off x="450167" y="2845842"/>
+            <a:ext cx="5914058" cy="2674441"/>
+          </a:xfrm>
+        </p:spPr>
+      </p:pic>
+      <p:sp>
+        <p:nvSpPr>
+          <p:cNvPr id="6" name="Content Placeholder 5">
+            <a:extLst>
+              <a:ext uri="{FF2B5EF4-FFF2-40B4-BE49-F238E27FC236}">
+                <a16:creationId xmlns:a16="http://schemas.microsoft.com/office/drawing/2014/main" id="{04CE489E-F582-2F0F-1757-CC9B61211A16}"/>
+              </a:ext>
+            </a:extLst>
+          </p:cNvPr>
+          <p:cNvSpPr>
+            <a:spLocks noGrp="1"/>
+          </p:cNvSpPr>
+          <p:nvPr>
+            <p:ph sz="half" idx="2"/>
+          </p:nvPr>
+        </p:nvSpPr>
+        <p:spPr/>
+        <p:txBody>
+          <a:bodyPr>
+            <a:normAutofit fontScale="70000" lnSpcReduction="20000"/>
+          </a:bodyPr>
+          <a:lstStyle/>
+          <a:p>
+            <a:r>
+              <a:rPr lang="en-US" sz="2900" dirty="0"/>
+              <a:t>The simulation includes:</a:t>
+            </a:r>
+          </a:p>
+          <a:p>
+            <a:r>
+              <a:rPr lang="en-US" dirty="0"/>
+              <a:t>Customer Arrival</a:t>
+            </a:r>
+          </a:p>
+          <a:p>
+            <a:r>
+              <a:rPr lang="en-US" dirty="0"/>
+              <a:t>Meet with person working the floor: depending on the type of service needed the customer will be directed to one of three different service areas:</a:t>
+            </a:r>
+          </a:p>
+          <a:p>
+            <a:pPr lvl="1"/>
+            <a:r>
+              <a:rPr lang="en-US" dirty="0"/>
+              <a:t>Random inquiries: using air pump, questions not related to the business, browsing, </a:t>
+            </a:r>
+            <a:r>
+              <a:rPr lang="en-US" dirty="0" err="1"/>
+              <a:t>etc</a:t>
+            </a:r>
+            <a:endParaRPr lang="en-US" dirty="0"/>
+          </a:p>
+          <a:p>
+            <a:pPr lvl="1"/>
+            <a:r>
+              <a:rPr lang="en-US" dirty="0"/>
+              <a:t>Sales: looking to buy a bicycle, parts or accessories</a:t>
+            </a:r>
+          </a:p>
+          <a:p>
+            <a:pPr lvl="2"/>
+            <a:r>
+              <a:rPr lang="en-US" dirty="0"/>
+              <a:t>Special orders: if items are not available some customers may decide to place an order (can take up to 2 days for the order to arrive</a:t>
+            </a:r>
+          </a:p>
+          <a:p>
+            <a:pPr lvl="1"/>
+            <a:r>
+              <a:rPr lang="en-US" dirty="0"/>
+              <a:t>Repairs: within this category there's different types of services</a:t>
+            </a:r>
+          </a:p>
+          <a:p>
+            <a:pPr lvl="2"/>
+            <a:r>
+              <a:rPr lang="en-US" dirty="0"/>
+              <a:t>Short repair: flat fixes, minor adjustments (these usually take anywhere between 10 - 45 minutes)</a:t>
+            </a:r>
+          </a:p>
+          <a:p>
+            <a:pPr lvl="2"/>
+            <a:r>
+              <a:rPr lang="en-US" dirty="0"/>
+              <a:t>Long repairs: tune-ups, bike assemblies, part replacements, major adjustments (these usually take between 1 hour - 1 business days)</a:t>
+            </a:r>
+          </a:p>
+          <a:p>
+            <a:r>
+              <a:rPr lang="en-US" dirty="0"/>
+              <a:t>Normal Exit</a:t>
+            </a:r>
+          </a:p>
+        </p:txBody>
+      </p:sp>
+    </p:spTree>
+    <p:extLst>
+      <p:ext uri="{BB962C8B-B14F-4D97-AF65-F5344CB8AC3E}">
+        <p14:creationId xmlns:p14="http://schemas.microsoft.com/office/powerpoint/2010/main" val="1525888429"/>
+      </p:ext>
+    </p:extLst>
+  </p:cSld>
+  <p:clrMapOvr>
+    <a:masterClrMapping/>
+  </p:clrMapOvr>
+</p:sld>
+</file>
+
+<file path=ppt/slides/slide4.xml><?xml version="1.0" encoding="utf-8"?>
+<p:sld xmlns:a="http://schemas.openxmlformats.org/drawingml/2006/main" xmlns:r="http://schemas.openxmlformats.org/officeDocument/2006/relationships" xmlns:p="http://schemas.openxmlformats.org/presentationml/2006/main">
+  <p:cSld>
+    <p:spTree>
+      <p:nvGrpSpPr>
+        <p:cNvPr id="1" name=""/>
+        <p:cNvGrpSpPr/>
+        <p:nvPr/>
+      </p:nvGrpSpPr>
+      <p:grpSpPr>
+        <a:xfrm>
+          <a:off x="0" y="0"/>
+          <a:ext cx="0" cy="0"/>
+          <a:chOff x="0" y="0"/>
+          <a:chExt cx="0" cy="0"/>
+        </a:xfrm>
+      </p:grpSpPr>
+      <p:sp>
+        <p:nvSpPr>
+          <p:cNvPr id="2" name="Title 1">
+            <a:extLst>
+              <a:ext uri="{FF2B5EF4-FFF2-40B4-BE49-F238E27FC236}">
+                <a16:creationId xmlns:a16="http://schemas.microsoft.com/office/drawing/2014/main" id="{8C34CA6A-9B8A-7573-7A64-8E61FD976B5B}"/>
+              </a:ext>
+            </a:extLst>
+          </p:cNvPr>
+          <p:cNvSpPr>
+            <a:spLocks noGrp="1"/>
+          </p:cNvSpPr>
+          <p:nvPr>
+            <p:ph type="title"/>
+          </p:nvPr>
+        </p:nvSpPr>
+        <p:spPr/>
+        <p:txBody>
+          <a:bodyPr/>
+          <a:lstStyle/>
+          <a:p>
+            <a:r>
+              <a:rPr lang="en-US" dirty="0"/>
+              <a:t>Original Flowchart (intended to use)</a:t>
+            </a:r>
+          </a:p>
+        </p:txBody>
+      </p:sp>
+      <p:pic>
+        <p:nvPicPr>
+          <p:cNvPr id="7" name="Content Placeholder 6" descr="Diagram&#10;&#10;Description automatically generated">
+            <a:extLst>
+              <a:ext uri="{FF2B5EF4-FFF2-40B4-BE49-F238E27FC236}">
+                <a16:creationId xmlns:a16="http://schemas.microsoft.com/office/drawing/2014/main" id="{220806F8-668A-8982-2853-8A0E5591E86B}"/>
+              </a:ext>
+            </a:extLst>
+          </p:cNvPr>
+          <p:cNvPicPr>
+            <a:picLocks noGrp="1" noChangeAspect="1"/>
+          </p:cNvPicPr>
+          <p:nvPr>
+            <p:ph idx="1"/>
+          </p:nvPr>
+        </p:nvPicPr>
+        <p:blipFill>
+          <a:blip r:embed="rId2">
+            <a:extLst>
+              <a:ext uri="{28A0092B-C50C-407E-A947-70E740481C1C}">
+                <a14:useLocalDpi xmlns:a14="http://schemas.microsoft.com/office/drawing/2010/main" val="0"/>
+              </a:ext>
+            </a:extLst>
+          </a:blip>
+          <a:stretch>
+            <a:fillRect/>
+          </a:stretch>
+        </p:blipFill>
+        <p:spPr>
+          <a:xfrm>
+            <a:off x="207433" y="1930400"/>
+            <a:ext cx="11777133" cy="4775200"/>
           </a:xfrm>
         </p:spPr>
       </p:pic>
@@ -4696,6 +5242,665 @@
     <p:extLst>
       <p:ext uri="{BB962C8B-B14F-4D97-AF65-F5344CB8AC3E}">
         <p14:creationId xmlns:p14="http://schemas.microsoft.com/office/powerpoint/2010/main" val="2269182175"/>
+      </p:ext>
+    </p:extLst>
+  </p:cSld>
+  <p:clrMapOvr>
+    <a:masterClrMapping/>
+  </p:clrMapOvr>
+</p:sld>
+</file>
+
+<file path=ppt/slides/slide5.xml><?xml version="1.0" encoding="utf-8"?>
+<p:sld xmlns:a="http://schemas.openxmlformats.org/drawingml/2006/main" xmlns:r="http://schemas.openxmlformats.org/officeDocument/2006/relationships" xmlns:p="http://schemas.openxmlformats.org/presentationml/2006/main">
+  <p:cSld>
+    <p:spTree>
+      <p:nvGrpSpPr>
+        <p:cNvPr id="1" name=""/>
+        <p:cNvGrpSpPr/>
+        <p:nvPr/>
+      </p:nvGrpSpPr>
+      <p:grpSpPr>
+        <a:xfrm>
+          <a:off x="0" y="0"/>
+          <a:ext cx="0" cy="0"/>
+          <a:chOff x="0" y="0"/>
+          <a:chExt cx="0" cy="0"/>
+        </a:xfrm>
+      </p:grpSpPr>
+      <p:sp>
+        <p:nvSpPr>
+          <p:cNvPr id="3" name="Content Placeholder 2">
+            <a:extLst>
+              <a:ext uri="{FF2B5EF4-FFF2-40B4-BE49-F238E27FC236}">
+                <a16:creationId xmlns:a16="http://schemas.microsoft.com/office/drawing/2014/main" id="{785FC1C4-C2D5-15C1-0493-455000DE14D4}"/>
+              </a:ext>
+            </a:extLst>
+          </p:cNvPr>
+          <p:cNvSpPr>
+            <a:spLocks noGrp="1"/>
+          </p:cNvSpPr>
+          <p:nvPr>
+            <p:ph sz="half" idx="2"/>
+          </p:nvPr>
+        </p:nvSpPr>
+        <p:spPr>
+          <a:xfrm>
+            <a:off x="155448" y="1783080"/>
+            <a:ext cx="3026673" cy="4834696"/>
+          </a:xfrm>
+        </p:spPr>
+        <p:txBody>
+          <a:bodyPr>
+            <a:normAutofit lnSpcReduction="10000"/>
+          </a:bodyPr>
+          <a:lstStyle/>
+          <a:p>
+            <a:r>
+              <a:rPr lang="en-US" dirty="0"/>
+              <a:t>To confirm the validity of this simulation is hard since I have not seen other models for bike shops. By trial and error, I was able to verify the wait times for each service provided based solely on personal experience.</a:t>
+            </a:r>
+          </a:p>
+          <a:p>
+            <a:r>
+              <a:rPr lang="en-US" dirty="0"/>
+              <a:t>The data frame shows how the simulation performed randomizing the services and times for each customer.</a:t>
+            </a:r>
+          </a:p>
+        </p:txBody>
+      </p:sp>
+      <p:sp>
+        <p:nvSpPr>
+          <p:cNvPr id="2" name="Title 1">
+            <a:extLst>
+              <a:ext uri="{FF2B5EF4-FFF2-40B4-BE49-F238E27FC236}">
+                <a16:creationId xmlns:a16="http://schemas.microsoft.com/office/drawing/2014/main" id="{D2B34B44-2027-3C9A-57E6-8DE76E911C0A}"/>
+              </a:ext>
+            </a:extLst>
+          </p:cNvPr>
+          <p:cNvSpPr>
+            <a:spLocks noGrp="1"/>
+          </p:cNvSpPr>
+          <p:nvPr>
+            <p:ph type="title"/>
+          </p:nvPr>
+        </p:nvSpPr>
+        <p:spPr/>
+        <p:txBody>
+          <a:bodyPr/>
+          <a:lstStyle/>
+          <a:p>
+            <a:r>
+              <a:rPr lang="en-US" dirty="0"/>
+              <a:t>Validity and verification</a:t>
+            </a:r>
+          </a:p>
+        </p:txBody>
+      </p:sp>
+      <p:pic>
+        <p:nvPicPr>
+          <p:cNvPr id="6" name="Picture 5" descr="Table&#10;&#10;Description automatically generated">
+            <a:extLst>
+              <a:ext uri="{FF2B5EF4-FFF2-40B4-BE49-F238E27FC236}">
+                <a16:creationId xmlns:a16="http://schemas.microsoft.com/office/drawing/2014/main" id="{AE45265B-4362-7CDC-D735-48AC07E1E946}"/>
+              </a:ext>
+            </a:extLst>
+          </p:cNvPr>
+          <p:cNvPicPr>
+            <a:picLocks noChangeAspect="1"/>
+          </p:cNvPicPr>
+          <p:nvPr/>
+        </p:nvPicPr>
+        <p:blipFill>
+          <a:blip r:embed="rId2">
+            <a:extLst>
+              <a:ext uri="{28A0092B-C50C-407E-A947-70E740481C1C}">
+                <a14:useLocalDpi xmlns:a14="http://schemas.microsoft.com/office/drawing/2010/main" val="0"/>
+              </a:ext>
+            </a:extLst>
+          </a:blip>
+          <a:stretch>
+            <a:fillRect/>
+          </a:stretch>
+        </p:blipFill>
+        <p:spPr>
+          <a:xfrm>
+            <a:off x="3182121" y="2159844"/>
+            <a:ext cx="9004300" cy="3238500"/>
+          </a:xfrm>
+          <a:prstGeom prst="rect">
+            <a:avLst/>
+          </a:prstGeom>
+        </p:spPr>
+      </p:pic>
+    </p:spTree>
+    <p:extLst>
+      <p:ext uri="{BB962C8B-B14F-4D97-AF65-F5344CB8AC3E}">
+        <p14:creationId xmlns:p14="http://schemas.microsoft.com/office/powerpoint/2010/main" val="2296577988"/>
+      </p:ext>
+    </p:extLst>
+  </p:cSld>
+  <p:clrMapOvr>
+    <a:masterClrMapping/>
+  </p:clrMapOvr>
+</p:sld>
+</file>
+
+<file path=ppt/slides/slide6.xml><?xml version="1.0" encoding="utf-8"?>
+<p:sld xmlns:a="http://schemas.openxmlformats.org/drawingml/2006/main" xmlns:r="http://schemas.openxmlformats.org/officeDocument/2006/relationships" xmlns:p="http://schemas.openxmlformats.org/presentationml/2006/main">
+  <p:cSld>
+    <p:spTree>
+      <p:nvGrpSpPr>
+        <p:cNvPr id="1" name=""/>
+        <p:cNvGrpSpPr/>
+        <p:nvPr/>
+      </p:nvGrpSpPr>
+      <p:grpSpPr>
+        <a:xfrm>
+          <a:off x="0" y="0"/>
+          <a:ext cx="0" cy="0"/>
+          <a:chOff x="0" y="0"/>
+          <a:chExt cx="0" cy="0"/>
+        </a:xfrm>
+      </p:grpSpPr>
+      <p:sp>
+        <p:nvSpPr>
+          <p:cNvPr id="2" name="Title 1">
+            <a:extLst>
+              <a:ext uri="{FF2B5EF4-FFF2-40B4-BE49-F238E27FC236}">
+                <a16:creationId xmlns:a16="http://schemas.microsoft.com/office/drawing/2014/main" id="{2C9DE2ED-9ABB-4525-F3FC-9DC607076BB0}"/>
+              </a:ext>
+            </a:extLst>
+          </p:cNvPr>
+          <p:cNvSpPr>
+            <a:spLocks noGrp="1"/>
+          </p:cNvSpPr>
+          <p:nvPr>
+            <p:ph type="title"/>
+          </p:nvPr>
+        </p:nvSpPr>
+        <p:spPr/>
+        <p:txBody>
+          <a:bodyPr/>
+          <a:lstStyle/>
+          <a:p>
+            <a:r>
+              <a:rPr lang="en-US" dirty="0"/>
+              <a:t>Graphs:</a:t>
+            </a:r>
+          </a:p>
+        </p:txBody>
+      </p:sp>
+      <p:sp>
+        <p:nvSpPr>
+          <p:cNvPr id="4" name="Text Placeholder 3">
+            <a:extLst>
+              <a:ext uri="{FF2B5EF4-FFF2-40B4-BE49-F238E27FC236}">
+                <a16:creationId xmlns:a16="http://schemas.microsoft.com/office/drawing/2014/main" id="{8F11C1B3-233E-0967-6720-DE77864C2495}"/>
+              </a:ext>
+            </a:extLst>
+          </p:cNvPr>
+          <p:cNvSpPr>
+            <a:spLocks noGrp="1"/>
+          </p:cNvSpPr>
+          <p:nvPr>
+            <p:ph type="body" sz="half" idx="2"/>
+          </p:nvPr>
+        </p:nvSpPr>
+        <p:spPr/>
+        <p:txBody>
+          <a:bodyPr>
+            <a:normAutofit/>
+          </a:bodyPr>
+          <a:lstStyle/>
+          <a:p>
+            <a:r>
+              <a:rPr lang="en-US" sz="1800" dirty="0"/>
+              <a:t>Figure 1 shows the averages for all wait times fall between 1 - 1.5 minutes with a couple of outliers in avg wait, sales and repairs ranging between 9 - 12 mins.</a:t>
+            </a:r>
+          </a:p>
+        </p:txBody>
+      </p:sp>
+      <p:pic>
+        <p:nvPicPr>
+          <p:cNvPr id="7" name="Content Placeholder 6" descr="Chart, box and whisker chart&#10;&#10;Description automatically generated">
+            <a:extLst>
+              <a:ext uri="{FF2B5EF4-FFF2-40B4-BE49-F238E27FC236}">
+                <a16:creationId xmlns:a16="http://schemas.microsoft.com/office/drawing/2014/main" id="{633A5EC4-C67F-0AAE-41F2-E7978CDD9B8B}"/>
+              </a:ext>
+            </a:extLst>
+          </p:cNvPr>
+          <p:cNvPicPr>
+            <a:picLocks noGrp="1" noChangeAspect="1"/>
+          </p:cNvPicPr>
+          <p:nvPr>
+            <p:ph idx="1"/>
+          </p:nvPr>
+        </p:nvPicPr>
+        <p:blipFill>
+          <a:blip r:embed="rId2">
+            <a:extLst>
+              <a:ext uri="{28A0092B-C50C-407E-A947-70E740481C1C}">
+                <a14:useLocalDpi xmlns:a14="http://schemas.microsoft.com/office/drawing/2010/main" val="0"/>
+              </a:ext>
+            </a:extLst>
+          </a:blip>
+          <a:stretch>
+            <a:fillRect/>
+          </a:stretch>
+        </p:blipFill>
+        <p:spPr>
+          <a:xfrm>
+            <a:off x="838200" y="846455"/>
+            <a:ext cx="6711950" cy="4698365"/>
+          </a:xfrm>
+        </p:spPr>
+      </p:pic>
+    </p:spTree>
+    <p:extLst>
+      <p:ext uri="{BB962C8B-B14F-4D97-AF65-F5344CB8AC3E}">
+        <p14:creationId xmlns:p14="http://schemas.microsoft.com/office/powerpoint/2010/main" val="3327552179"/>
+      </p:ext>
+    </p:extLst>
+  </p:cSld>
+  <p:clrMapOvr>
+    <a:masterClrMapping/>
+  </p:clrMapOvr>
+</p:sld>
+</file>
+
+<file path=ppt/slides/slide7.xml><?xml version="1.0" encoding="utf-8"?>
+<p:sld xmlns:a="http://schemas.openxmlformats.org/drawingml/2006/main" xmlns:r="http://schemas.openxmlformats.org/officeDocument/2006/relationships" xmlns:p="http://schemas.openxmlformats.org/presentationml/2006/main">
+  <p:cSld>
+    <p:spTree>
+      <p:nvGrpSpPr>
+        <p:cNvPr id="1" name=""/>
+        <p:cNvGrpSpPr/>
+        <p:nvPr/>
+      </p:nvGrpSpPr>
+      <p:grpSpPr>
+        <a:xfrm>
+          <a:off x="0" y="0"/>
+          <a:ext cx="0" cy="0"/>
+          <a:chOff x="0" y="0"/>
+          <a:chExt cx="0" cy="0"/>
+        </a:xfrm>
+      </p:grpSpPr>
+      <p:sp>
+        <p:nvSpPr>
+          <p:cNvPr id="2" name="Title 1">
+            <a:extLst>
+              <a:ext uri="{FF2B5EF4-FFF2-40B4-BE49-F238E27FC236}">
+                <a16:creationId xmlns:a16="http://schemas.microsoft.com/office/drawing/2014/main" id="{2C9DE2ED-9ABB-4525-F3FC-9DC607076BB0}"/>
+              </a:ext>
+            </a:extLst>
+          </p:cNvPr>
+          <p:cNvSpPr>
+            <a:spLocks noGrp="1"/>
+          </p:cNvSpPr>
+          <p:nvPr>
+            <p:ph type="title"/>
+          </p:nvPr>
+        </p:nvSpPr>
+        <p:spPr/>
+        <p:txBody>
+          <a:bodyPr/>
+          <a:lstStyle/>
+          <a:p>
+            <a:r>
+              <a:rPr lang="en-US" dirty="0"/>
+              <a:t>Graphs Cont.</a:t>
+            </a:r>
+          </a:p>
+        </p:txBody>
+      </p:sp>
+      <p:sp>
+        <p:nvSpPr>
+          <p:cNvPr id="4" name="Text Placeholder 3">
+            <a:extLst>
+              <a:ext uri="{FF2B5EF4-FFF2-40B4-BE49-F238E27FC236}">
+                <a16:creationId xmlns:a16="http://schemas.microsoft.com/office/drawing/2014/main" id="{8F11C1B3-233E-0967-6720-DE77864C2495}"/>
+              </a:ext>
+            </a:extLst>
+          </p:cNvPr>
+          <p:cNvSpPr>
+            <a:spLocks noGrp="1"/>
+          </p:cNvSpPr>
+          <p:nvPr>
+            <p:ph type="body" sz="half" idx="2"/>
+          </p:nvPr>
+        </p:nvSpPr>
+        <p:spPr/>
+        <p:txBody>
+          <a:bodyPr>
+            <a:normAutofit/>
+          </a:bodyPr>
+          <a:lstStyle/>
+          <a:p>
+            <a:r>
+              <a:rPr lang="en-US" sz="1800" dirty="0"/>
+              <a:t>Figure 2 is a histogram showing the data's frequency distribution for wait time in minutes. About 100 customer have a wait time of 0 - 1.5 minutes and less than 10 customers wait around 2 - 13 minutes for a service.</a:t>
+            </a:r>
+          </a:p>
+        </p:txBody>
+      </p:sp>
+      <p:pic>
+        <p:nvPicPr>
+          <p:cNvPr id="7" name="Content Placeholder 6" descr="Chart&#10;&#10;Description automatically generated">
+            <a:extLst>
+              <a:ext uri="{FF2B5EF4-FFF2-40B4-BE49-F238E27FC236}">
+                <a16:creationId xmlns:a16="http://schemas.microsoft.com/office/drawing/2014/main" id="{BC53612D-905D-9B95-7A10-9D3A034F538B}"/>
+              </a:ext>
+            </a:extLst>
+          </p:cNvPr>
+          <p:cNvPicPr>
+            <a:picLocks noGrp="1" noChangeAspect="1"/>
+          </p:cNvPicPr>
+          <p:nvPr>
+            <p:ph idx="1"/>
+          </p:nvPr>
+        </p:nvPicPr>
+        <p:blipFill>
+          <a:blip r:embed="rId2">
+            <a:extLst>
+              <a:ext uri="{28A0092B-C50C-407E-A947-70E740481C1C}">
+                <a14:useLocalDpi xmlns:a14="http://schemas.microsoft.com/office/drawing/2010/main" val="0"/>
+              </a:ext>
+            </a:extLst>
+          </a:blip>
+          <a:stretch>
+            <a:fillRect/>
+          </a:stretch>
+        </p:blipFill>
+        <p:spPr>
+          <a:xfrm>
+            <a:off x="838200" y="846455"/>
+            <a:ext cx="6711950" cy="4698365"/>
+          </a:xfrm>
+        </p:spPr>
+      </p:pic>
+    </p:spTree>
+    <p:extLst>
+      <p:ext uri="{BB962C8B-B14F-4D97-AF65-F5344CB8AC3E}">
+        <p14:creationId xmlns:p14="http://schemas.microsoft.com/office/powerpoint/2010/main" val="260721252"/>
+      </p:ext>
+    </p:extLst>
+  </p:cSld>
+  <p:clrMapOvr>
+    <a:masterClrMapping/>
+  </p:clrMapOvr>
+</p:sld>
+</file>
+
+<file path=ppt/slides/slide8.xml><?xml version="1.0" encoding="utf-8"?>
+<p:sld xmlns:a="http://schemas.openxmlformats.org/drawingml/2006/main" xmlns:r="http://schemas.openxmlformats.org/officeDocument/2006/relationships" xmlns:p="http://schemas.openxmlformats.org/presentationml/2006/main">
+  <p:cSld>
+    <p:spTree>
+      <p:nvGrpSpPr>
+        <p:cNvPr id="1" name=""/>
+        <p:cNvGrpSpPr/>
+        <p:nvPr/>
+      </p:nvGrpSpPr>
+      <p:grpSpPr>
+        <a:xfrm>
+          <a:off x="0" y="0"/>
+          <a:ext cx="0" cy="0"/>
+          <a:chOff x="0" y="0"/>
+          <a:chExt cx="0" cy="0"/>
+        </a:xfrm>
+      </p:grpSpPr>
+      <p:sp>
+        <p:nvSpPr>
+          <p:cNvPr id="2" name="Title 1">
+            <a:extLst>
+              <a:ext uri="{FF2B5EF4-FFF2-40B4-BE49-F238E27FC236}">
+                <a16:creationId xmlns:a16="http://schemas.microsoft.com/office/drawing/2014/main" id="{2C9DE2ED-9ABB-4525-F3FC-9DC607076BB0}"/>
+              </a:ext>
+            </a:extLst>
+          </p:cNvPr>
+          <p:cNvSpPr>
+            <a:spLocks noGrp="1"/>
+          </p:cNvSpPr>
+          <p:nvPr>
+            <p:ph type="title"/>
+          </p:nvPr>
+        </p:nvSpPr>
+        <p:spPr/>
+        <p:txBody>
+          <a:bodyPr/>
+          <a:lstStyle/>
+          <a:p>
+            <a:r>
+              <a:rPr lang="en-US" dirty="0"/>
+              <a:t>Graphs Cont.</a:t>
+            </a:r>
+          </a:p>
+        </p:txBody>
+      </p:sp>
+      <p:sp>
+        <p:nvSpPr>
+          <p:cNvPr id="4" name="Text Placeholder 3">
+            <a:extLst>
+              <a:ext uri="{FF2B5EF4-FFF2-40B4-BE49-F238E27FC236}">
+                <a16:creationId xmlns:a16="http://schemas.microsoft.com/office/drawing/2014/main" id="{8F11C1B3-233E-0967-6720-DE77864C2495}"/>
+              </a:ext>
+            </a:extLst>
+          </p:cNvPr>
+          <p:cNvSpPr>
+            <a:spLocks noGrp="1"/>
+          </p:cNvSpPr>
+          <p:nvPr>
+            <p:ph type="body" sz="half" idx="2"/>
+          </p:nvPr>
+        </p:nvSpPr>
+        <p:spPr/>
+        <p:txBody>
+          <a:bodyPr>
+            <a:normAutofit/>
+          </a:bodyPr>
+          <a:lstStyle/>
+          <a:p>
+            <a:r>
+              <a:rPr lang="en-US" sz="1800" dirty="0"/>
+              <a:t>Figure 3, also a histogram, shows the calculated average wait of the model with the majority of customers wait time being between 0 - 4 minutes and a few waiting between 8 - 10 minutes.</a:t>
+            </a:r>
+          </a:p>
+        </p:txBody>
+      </p:sp>
+      <p:pic>
+        <p:nvPicPr>
+          <p:cNvPr id="8" name="Content Placeholder 7" descr="Chart, histogram&#10;&#10;Description automatically generated">
+            <a:extLst>
+              <a:ext uri="{FF2B5EF4-FFF2-40B4-BE49-F238E27FC236}">
+                <a16:creationId xmlns:a16="http://schemas.microsoft.com/office/drawing/2014/main" id="{E7FF8AAC-DE67-5D3A-5DF2-49D2EFDA14F5}"/>
+              </a:ext>
+            </a:extLst>
+          </p:cNvPr>
+          <p:cNvPicPr>
+            <a:picLocks noGrp="1" noChangeAspect="1"/>
+          </p:cNvPicPr>
+          <p:nvPr>
+            <p:ph idx="1"/>
+          </p:nvPr>
+        </p:nvPicPr>
+        <p:blipFill>
+          <a:blip r:embed="rId2">
+            <a:extLst>
+              <a:ext uri="{28A0092B-C50C-407E-A947-70E740481C1C}">
+                <a14:useLocalDpi xmlns:a14="http://schemas.microsoft.com/office/drawing/2010/main" val="0"/>
+              </a:ext>
+            </a:extLst>
+          </a:blip>
+          <a:stretch>
+            <a:fillRect/>
+          </a:stretch>
+        </p:blipFill>
+        <p:spPr>
+          <a:xfrm>
+            <a:off x="838200" y="846455"/>
+            <a:ext cx="6711950" cy="4698365"/>
+          </a:xfrm>
+        </p:spPr>
+      </p:pic>
+      <p:sp>
+        <p:nvSpPr>
+          <p:cNvPr id="9" name="TextBox 8">
+            <a:extLst>
+              <a:ext uri="{FF2B5EF4-FFF2-40B4-BE49-F238E27FC236}">
+                <a16:creationId xmlns:a16="http://schemas.microsoft.com/office/drawing/2014/main" id="{9B8EE693-D2D6-E9E8-B365-AC61F25F8D55}"/>
+              </a:ext>
+            </a:extLst>
+          </p:cNvPr>
+          <p:cNvSpPr txBox="1"/>
+          <p:nvPr/>
+        </p:nvSpPr>
+        <p:spPr>
+          <a:xfrm>
+            <a:off x="9655444" y="6664271"/>
+            <a:ext cx="184731" cy="369332"/>
+          </a:xfrm>
+          <a:prstGeom prst="rect">
+            <a:avLst/>
+          </a:prstGeom>
+          <a:noFill/>
+        </p:spPr>
+        <p:txBody>
+          <a:bodyPr wrap="none" rtlCol="0">
+            <a:spAutoFit/>
+          </a:bodyPr>
+          <a:lstStyle/>
+          <a:p>
+            <a:endParaRPr lang="en-US" dirty="0"/>
+          </a:p>
+        </p:txBody>
+      </p:sp>
+    </p:spTree>
+    <p:extLst>
+      <p:ext uri="{BB962C8B-B14F-4D97-AF65-F5344CB8AC3E}">
+        <p14:creationId xmlns:p14="http://schemas.microsoft.com/office/powerpoint/2010/main" val="3919482548"/>
+      </p:ext>
+    </p:extLst>
+  </p:cSld>
+  <p:clrMapOvr>
+    <a:masterClrMapping/>
+  </p:clrMapOvr>
+</p:sld>
+</file>
+
+<file path=ppt/slides/slide9.xml><?xml version="1.0" encoding="utf-8"?>
+<p:sld xmlns:a="http://schemas.openxmlformats.org/drawingml/2006/main" xmlns:r="http://schemas.openxmlformats.org/officeDocument/2006/relationships" xmlns:p="http://schemas.openxmlformats.org/presentationml/2006/main">
+  <p:cSld>
+    <p:spTree>
+      <p:nvGrpSpPr>
+        <p:cNvPr id="1" name=""/>
+        <p:cNvGrpSpPr/>
+        <p:nvPr/>
+      </p:nvGrpSpPr>
+      <p:grpSpPr>
+        <a:xfrm>
+          <a:off x="0" y="0"/>
+          <a:ext cx="0" cy="0"/>
+          <a:chOff x="0" y="0"/>
+          <a:chExt cx="0" cy="0"/>
+        </a:xfrm>
+      </p:grpSpPr>
+      <p:sp>
+        <p:nvSpPr>
+          <p:cNvPr id="2" name="Title 1">
+            <a:extLst>
+              <a:ext uri="{FF2B5EF4-FFF2-40B4-BE49-F238E27FC236}">
+                <a16:creationId xmlns:a16="http://schemas.microsoft.com/office/drawing/2014/main" id="{2C9DE2ED-9ABB-4525-F3FC-9DC607076BB0}"/>
+              </a:ext>
+            </a:extLst>
+          </p:cNvPr>
+          <p:cNvSpPr>
+            <a:spLocks noGrp="1"/>
+          </p:cNvSpPr>
+          <p:nvPr>
+            <p:ph type="title"/>
+          </p:nvPr>
+        </p:nvSpPr>
+        <p:spPr/>
+        <p:txBody>
+          <a:bodyPr/>
+          <a:lstStyle/>
+          <a:p>
+            <a:r>
+              <a:rPr lang="en-US" dirty="0"/>
+              <a:t>Graphs Cont.</a:t>
+            </a:r>
+          </a:p>
+        </p:txBody>
+      </p:sp>
+      <p:sp>
+        <p:nvSpPr>
+          <p:cNvPr id="4" name="Text Placeholder 3">
+            <a:extLst>
+              <a:ext uri="{FF2B5EF4-FFF2-40B4-BE49-F238E27FC236}">
+                <a16:creationId xmlns:a16="http://schemas.microsoft.com/office/drawing/2014/main" id="{8F11C1B3-233E-0967-6720-DE77864C2495}"/>
+              </a:ext>
+            </a:extLst>
+          </p:cNvPr>
+          <p:cNvSpPr>
+            <a:spLocks noGrp="1"/>
+          </p:cNvSpPr>
+          <p:nvPr>
+            <p:ph type="body" sz="half" idx="2"/>
+          </p:nvPr>
+        </p:nvSpPr>
+        <p:spPr/>
+        <p:txBody>
+          <a:bodyPr>
+            <a:normAutofit/>
+          </a:bodyPr>
+          <a:lstStyle/>
+          <a:p>
+            <a:r>
+              <a:rPr lang="en-US" sz="1800" dirty="0"/>
+              <a:t>Figure 4 is scatter plot showing a positive correlation for service start and stop time.</a:t>
+            </a:r>
+          </a:p>
+        </p:txBody>
+      </p:sp>
+      <p:pic>
+        <p:nvPicPr>
+          <p:cNvPr id="8" name="Content Placeholder 7" descr="Chart, scatter chart&#10;&#10;Description automatically generated">
+            <a:extLst>
+              <a:ext uri="{FF2B5EF4-FFF2-40B4-BE49-F238E27FC236}">
+                <a16:creationId xmlns:a16="http://schemas.microsoft.com/office/drawing/2014/main" id="{0D9CBFEE-146C-65BD-F30A-489FE9A0751A}"/>
+              </a:ext>
+            </a:extLst>
+          </p:cNvPr>
+          <p:cNvPicPr>
+            <a:picLocks noGrp="1" noChangeAspect="1"/>
+          </p:cNvPicPr>
+          <p:nvPr>
+            <p:ph idx="1"/>
+          </p:nvPr>
+        </p:nvPicPr>
+        <p:blipFill>
+          <a:blip r:embed="rId2">
+            <a:extLst>
+              <a:ext uri="{28A0092B-C50C-407E-A947-70E740481C1C}">
+                <a14:useLocalDpi xmlns:a14="http://schemas.microsoft.com/office/drawing/2010/main" val="0"/>
+              </a:ext>
+            </a:extLst>
+          </a:blip>
+          <a:stretch>
+            <a:fillRect/>
+          </a:stretch>
+        </p:blipFill>
+        <p:spPr>
+          <a:xfrm>
+            <a:off x="838200" y="846455"/>
+            <a:ext cx="6711950" cy="4698365"/>
+          </a:xfrm>
+        </p:spPr>
+      </p:pic>
+    </p:spTree>
+    <p:extLst>
+      <p:ext uri="{BB962C8B-B14F-4D97-AF65-F5344CB8AC3E}">
+        <p14:creationId xmlns:p14="http://schemas.microsoft.com/office/powerpoint/2010/main" val="2382597835"/>
       </p:ext>
     </p:extLst>
   </p:cSld>
